--- a/Documents/Report/졸업작품_최종 발표.pptx
+++ b/Documents/Report/졸업작품_최종 발표.pptx
@@ -9,9 +9,13 @@
     <p:sldId id="257" r:id="rId3"/>
     <p:sldId id="258" r:id="rId4"/>
     <p:sldId id="259" r:id="rId5"/>
-    <p:sldId id="265" r:id="rId6"/>
-    <p:sldId id="266" r:id="rId7"/>
-    <p:sldId id="267" r:id="rId8"/>
+    <p:sldId id="269" r:id="rId6"/>
+    <p:sldId id="270" r:id="rId7"/>
+    <p:sldId id="271" r:id="rId8"/>
+    <p:sldId id="265" r:id="rId9"/>
+    <p:sldId id="266" r:id="rId10"/>
+    <p:sldId id="268" r:id="rId11"/>
+    <p:sldId id="267" r:id="rId12"/>
   </p:sldIdLst>
   <p:sldSz cx="12192000" cy="6858000"/>
   <p:notesSz cx="6858000" cy="9144000"/>
@@ -110,6 +114,11 @@
       </a:defRPr>
     </a:lvl9pPr>
   </p:defaultTextStyle>
+  <p:extLst>
+    <p:ext uri="{EFAFB233-063F-42B5-8137-9DF3F51BA10A}">
+      <p15:sldGuideLst xmlns:p15="http://schemas.microsoft.com/office/powerpoint/2012/main"/>
+    </p:ext>
+  </p:extLst>
 </p:presentation>
 </file>
 
@@ -259,7 +268,7 @@
           <a:lstStyle/>
           <a:p>
             <a:fld id="{4BEDD755-29AA-C74A-AE44-BE78867BDD7D}" type="datetimeFigureOut">
-              <a:t>2023. 12. 11.</a:t>
+              <a:t>2023. 12. 13.</a:t>
             </a:fld>
             <a:endParaRPr kumimoji="1" lang="ko-KR" altLang="en-US"/>
           </a:p>
@@ -455,7 +464,7 @@
           <a:lstStyle/>
           <a:p>
             <a:fld id="{4BEDD755-29AA-C74A-AE44-BE78867BDD7D}" type="datetimeFigureOut">
-              <a:t>2023. 12. 11.</a:t>
+              <a:t>2023. 12. 13.</a:t>
             </a:fld>
             <a:endParaRPr kumimoji="1" lang="ko-KR" altLang="en-US"/>
           </a:p>
@@ -661,7 +670,7 @@
           <a:lstStyle/>
           <a:p>
             <a:fld id="{4BEDD755-29AA-C74A-AE44-BE78867BDD7D}" type="datetimeFigureOut">
-              <a:t>2023. 12. 11.</a:t>
+              <a:t>2023. 12. 13.</a:t>
             </a:fld>
             <a:endParaRPr kumimoji="1" lang="ko-KR" altLang="en-US"/>
           </a:p>
@@ -857,7 +866,7 @@
           <a:lstStyle/>
           <a:p>
             <a:fld id="{4BEDD755-29AA-C74A-AE44-BE78867BDD7D}" type="datetimeFigureOut">
-              <a:t>2023. 12. 11.</a:t>
+              <a:t>2023. 12. 13.</a:t>
             </a:fld>
             <a:endParaRPr kumimoji="1" lang="ko-KR" altLang="en-US"/>
           </a:p>
@@ -1130,7 +1139,7 @@
           <a:lstStyle/>
           <a:p>
             <a:fld id="{4BEDD755-29AA-C74A-AE44-BE78867BDD7D}" type="datetimeFigureOut">
-              <a:t>2023. 12. 11.</a:t>
+              <a:t>2023. 12. 13.</a:t>
             </a:fld>
             <a:endParaRPr kumimoji="1" lang="ko-KR" altLang="en-US"/>
           </a:p>
@@ -1393,7 +1402,7 @@
           <a:lstStyle/>
           <a:p>
             <a:fld id="{4BEDD755-29AA-C74A-AE44-BE78867BDD7D}" type="datetimeFigureOut">
-              <a:t>2023. 12. 11.</a:t>
+              <a:t>2023. 12. 13.</a:t>
             </a:fld>
             <a:endParaRPr kumimoji="1" lang="ko-KR" altLang="en-US"/>
           </a:p>
@@ -1803,7 +1812,7 @@
           <a:lstStyle/>
           <a:p>
             <a:fld id="{4BEDD755-29AA-C74A-AE44-BE78867BDD7D}" type="datetimeFigureOut">
-              <a:t>2023. 12. 11.</a:t>
+              <a:t>2023. 12. 13.</a:t>
             </a:fld>
             <a:endParaRPr kumimoji="1" lang="ko-KR" altLang="en-US"/>
           </a:p>
@@ -1942,7 +1951,7 @@
           <a:lstStyle/>
           <a:p>
             <a:fld id="{4BEDD755-29AA-C74A-AE44-BE78867BDD7D}" type="datetimeFigureOut">
-              <a:t>2023. 12. 11.</a:t>
+              <a:t>2023. 12. 13.</a:t>
             </a:fld>
             <a:endParaRPr kumimoji="1" lang="ko-KR" altLang="en-US"/>
           </a:p>
@@ -2053,7 +2062,7 @@
           <a:lstStyle/>
           <a:p>
             <a:fld id="{4BEDD755-29AA-C74A-AE44-BE78867BDD7D}" type="datetimeFigureOut">
-              <a:t>2023. 12. 11.</a:t>
+              <a:t>2023. 12. 13.</a:t>
             </a:fld>
             <a:endParaRPr kumimoji="1" lang="ko-KR" altLang="en-US"/>
           </a:p>
@@ -2362,7 +2371,7 @@
           <a:lstStyle/>
           <a:p>
             <a:fld id="{4BEDD755-29AA-C74A-AE44-BE78867BDD7D}" type="datetimeFigureOut">
-              <a:t>2023. 12. 11.</a:t>
+              <a:t>2023. 12. 13.</a:t>
             </a:fld>
             <a:endParaRPr kumimoji="1" lang="ko-KR" altLang="en-US"/>
           </a:p>
@@ -2648,7 +2657,7 @@
           <a:lstStyle/>
           <a:p>
             <a:fld id="{4BEDD755-29AA-C74A-AE44-BE78867BDD7D}" type="datetimeFigureOut">
-              <a:t>2023. 12. 11.</a:t>
+              <a:t>2023. 12. 13.</a:t>
             </a:fld>
             <a:endParaRPr kumimoji="1" lang="ko-KR" altLang="en-US"/>
           </a:p>
@@ -2887,7 +2896,7 @@
           </a:lstStyle>
           <a:p>
             <a:fld id="{4BEDD755-29AA-C74A-AE44-BE78867BDD7D}" type="datetimeFigureOut">
-              <a:t>2023. 12. 11.</a:t>
+              <a:t>2023. 12. 13.</a:t>
             </a:fld>
             <a:endParaRPr kumimoji="1" lang="ko-KR" altLang="en-US"/>
           </a:p>
@@ -3537,6 +3546,187 @@
 </p:sld>
 </file>
 
+<file path=ppt/slides/slide10.xml><?xml version="1.0" encoding="utf-8"?>
+<p:sld xmlns:a="http://schemas.openxmlformats.org/drawingml/2006/main" xmlns:r="http://schemas.openxmlformats.org/officeDocument/2006/relationships" xmlns:p="http://schemas.openxmlformats.org/presentationml/2006/main">
+  <p:cSld>
+    <p:spTree>
+      <p:nvGrpSpPr>
+        <p:cNvPr id="1" name=""/>
+        <p:cNvGrpSpPr/>
+        <p:nvPr/>
+      </p:nvGrpSpPr>
+      <p:grpSpPr>
+        <a:xfrm>
+          <a:off x="0" y="0"/>
+          <a:ext cx="0" cy="0"/>
+          <a:chOff x="0" y="0"/>
+          <a:chExt cx="0" cy="0"/>
+        </a:xfrm>
+      </p:grpSpPr>
+      <p:sp>
+        <p:nvSpPr>
+          <p:cNvPr id="2" name="제목 1">
+            <a:extLst>
+              <a:ext uri="{FF2B5EF4-FFF2-40B4-BE49-F238E27FC236}">
+                <a16:creationId xmlns:a16="http://schemas.microsoft.com/office/drawing/2014/main" id="{13F31BAA-7A54-6C35-1AA4-DC8B1E4D6F4E}"/>
+              </a:ext>
+            </a:extLst>
+          </p:cNvPr>
+          <p:cNvSpPr>
+            <a:spLocks noGrp="1"/>
+          </p:cNvSpPr>
+          <p:nvPr>
+            <p:ph type="title"/>
+          </p:nvPr>
+        </p:nvSpPr>
+        <p:spPr>
+          <a:xfrm>
+            <a:off x="470337" y="228489"/>
+            <a:ext cx="10515600" cy="1325563"/>
+          </a:xfrm>
+        </p:spPr>
+        <p:txBody>
+          <a:bodyPr/>
+          <a:lstStyle/>
+          <a:p>
+            <a:r>
+              <a:rPr kumimoji="1" lang="ko-KR" altLang="en-US">
+                <a:latin typeface="BM EULJIRO TTF" panose="020B0600000101010101" pitchFamily="34" charset="-127"/>
+                <a:ea typeface="BM EULJIRO TTF" panose="020B0600000101010101" pitchFamily="34" charset="-127"/>
+              </a:rPr>
+              <a:t>깃 허브</a:t>
+            </a:r>
+            <a:endParaRPr kumimoji="1" lang="ko-KR" altLang="en-US"/>
+          </a:p>
+        </p:txBody>
+      </p:sp>
+      <p:sp>
+        <p:nvSpPr>
+          <p:cNvPr id="3" name="TextBox 2">
+            <a:extLst>
+              <a:ext uri="{FF2B5EF4-FFF2-40B4-BE49-F238E27FC236}">
+                <a16:creationId xmlns:a16="http://schemas.microsoft.com/office/drawing/2014/main" id="{D7737C84-875A-1B71-009E-E02B4588A856}"/>
+              </a:ext>
+            </a:extLst>
+          </p:cNvPr>
+          <p:cNvSpPr txBox="1"/>
+          <p:nvPr/>
+        </p:nvSpPr>
+        <p:spPr>
+          <a:xfrm>
+            <a:off x="838200" y="2936557"/>
+            <a:ext cx="10515600" cy="492443"/>
+          </a:xfrm>
+          <a:prstGeom prst="rect">
+            <a:avLst/>
+          </a:prstGeom>
+          <a:noFill/>
+        </p:spPr>
+        <p:txBody>
+          <a:bodyPr wrap="square" rtlCol="0">
+            <a:spAutoFit/>
+          </a:bodyPr>
+          <a:lstStyle/>
+          <a:p>
+            <a:r>
+              <a:rPr kumimoji="1" lang="en-US" altLang="ko-KR" sz="2600">
+                <a:latin typeface="NanumSquare Neo Regular" pitchFamily="2" charset="-127"/>
+                <a:ea typeface="NanumSquare Neo Regular" pitchFamily="2" charset="-127"/>
+              </a:rPr>
+              <a:t>https://github.com/Github-AppData/3DShoesModel_WebSite</a:t>
+            </a:r>
+            <a:endParaRPr kumimoji="1" lang="ko-KR" altLang="en-US" sz="2600">
+              <a:highlight>
+                <a:srgbClr val="FFFF00"/>
+              </a:highlight>
+              <a:latin typeface="NanumSquare Neo Regular" pitchFamily="2" charset="-127"/>
+              <a:ea typeface="NanumSquare Neo Regular" pitchFamily="2" charset="-127"/>
+            </a:endParaRPr>
+          </a:p>
+        </p:txBody>
+      </p:sp>
+    </p:spTree>
+    <p:extLst>
+      <p:ext uri="{BB962C8B-B14F-4D97-AF65-F5344CB8AC3E}">
+        <p14:creationId xmlns:p14="http://schemas.microsoft.com/office/powerpoint/2010/main" val="1852653744"/>
+      </p:ext>
+    </p:extLst>
+  </p:cSld>
+  <p:clrMapOvr>
+    <a:masterClrMapping/>
+  </p:clrMapOvr>
+</p:sld>
+</file>
+
+<file path=ppt/slides/slide11.xml><?xml version="1.0" encoding="utf-8"?>
+<p:sld xmlns:a="http://schemas.openxmlformats.org/drawingml/2006/main" xmlns:r="http://schemas.openxmlformats.org/officeDocument/2006/relationships" xmlns:p="http://schemas.openxmlformats.org/presentationml/2006/main">
+  <p:cSld>
+    <p:spTree>
+      <p:nvGrpSpPr>
+        <p:cNvPr id="1" name=""/>
+        <p:cNvGrpSpPr/>
+        <p:nvPr/>
+      </p:nvGrpSpPr>
+      <p:grpSpPr>
+        <a:xfrm>
+          <a:off x="0" y="0"/>
+          <a:ext cx="0" cy="0"/>
+          <a:chOff x="0" y="0"/>
+          <a:chExt cx="0" cy="0"/>
+        </a:xfrm>
+      </p:grpSpPr>
+      <p:sp>
+        <p:nvSpPr>
+          <p:cNvPr id="2" name="제목 1">
+            <a:extLst>
+              <a:ext uri="{FF2B5EF4-FFF2-40B4-BE49-F238E27FC236}">
+                <a16:creationId xmlns:a16="http://schemas.microsoft.com/office/drawing/2014/main" id="{13F31BAA-7A54-6C35-1AA4-DC8B1E4D6F4E}"/>
+              </a:ext>
+            </a:extLst>
+          </p:cNvPr>
+          <p:cNvSpPr>
+            <a:spLocks noGrp="1"/>
+          </p:cNvSpPr>
+          <p:nvPr>
+            <p:ph type="title"/>
+          </p:nvPr>
+        </p:nvSpPr>
+        <p:spPr>
+          <a:xfrm>
+            <a:off x="5421822" y="2181272"/>
+            <a:ext cx="1658318" cy="1906520"/>
+          </a:xfrm>
+        </p:spPr>
+        <p:txBody>
+          <a:bodyPr>
+            <a:normAutofit/>
+          </a:bodyPr>
+          <a:lstStyle/>
+          <a:p>
+            <a:r>
+              <a:rPr kumimoji="1" lang="ko-KR" altLang="en-US" sz="8800">
+                <a:latin typeface="BM EULJIRO TTF" panose="020B0600000101010101" pitchFamily="34" charset="-127"/>
+                <a:ea typeface="BM EULJIRO TTF" panose="020B0600000101010101" pitchFamily="34" charset="-127"/>
+              </a:rPr>
+              <a:t>끝</a:t>
+            </a:r>
+            <a:endParaRPr kumimoji="1" lang="ko-KR" altLang="en-US" sz="8800"/>
+          </a:p>
+        </p:txBody>
+      </p:sp>
+    </p:spTree>
+    <p:extLst>
+      <p:ext uri="{BB962C8B-B14F-4D97-AF65-F5344CB8AC3E}">
+        <p14:creationId xmlns:p14="http://schemas.microsoft.com/office/powerpoint/2010/main" val="2745035508"/>
+      </p:ext>
+    </p:extLst>
+  </p:cSld>
+  <p:clrMapOvr>
+    <a:masterClrMapping/>
+  </p:clrMapOvr>
+</p:sld>
+</file>
+
 <file path=ppt/slides/slide2.xml><?xml version="1.0" encoding="utf-8"?>
 <p:sld xmlns:a="http://schemas.openxmlformats.org/drawingml/2006/main" xmlns:r="http://schemas.openxmlformats.org/officeDocument/2006/relationships" xmlns:p="http://schemas.openxmlformats.org/presentationml/2006/main">
   <p:cSld>
@@ -4662,7 +4852,7 @@
           <p:cNvPr id="2" name="제목 1">
             <a:extLst>
               <a:ext uri="{FF2B5EF4-FFF2-40B4-BE49-F238E27FC236}">
-                <a16:creationId xmlns:a16="http://schemas.microsoft.com/office/drawing/2014/main" id="{407C5BC9-2695-D315-D16E-7A3BFDB714E6}"/>
+                <a16:creationId xmlns:a16="http://schemas.microsoft.com/office/drawing/2014/main" id="{C95CCAC1-74AE-25E3-F164-53B01C4540F6}"/>
               </a:ext>
             </a:extLst>
           </p:cNvPr>
@@ -4673,27 +4863,176 @@
             <p:ph type="title"/>
           </p:nvPr>
         </p:nvSpPr>
-        <p:spPr/>
-        <p:txBody>
-          <a:bodyPr/>
-          <a:lstStyle/>
-          <a:p>
-            <a:r>
-              <a:rPr kumimoji="1" lang="ko-KR" altLang="en-US">
+        <p:spPr>
+          <a:xfrm>
+            <a:off x="261464" y="0"/>
+            <a:ext cx="10515600" cy="1325563"/>
+          </a:xfrm>
+        </p:spPr>
+        <p:txBody>
+          <a:bodyPr>
+            <a:normAutofit/>
+          </a:bodyPr>
+          <a:lstStyle/>
+          <a:p>
+            <a:r>
+              <a:rPr kumimoji="1" lang="ko-KR" altLang="en-US" sz="4000">
                 <a:latin typeface="BM EULJIRO TTF" panose="020B0600000101010101" pitchFamily="34" charset="-127"/>
                 <a:ea typeface="BM EULJIRO TTF" panose="020B0600000101010101" pitchFamily="34" charset="-127"/>
               </a:rPr>
-              <a:t>개발환경</a:t>
-            </a:r>
-          </a:p>
-        </p:txBody>
-      </p:sp>
-      <p:sp>
-        <p:nvSpPr>
-          <p:cNvPr id="3" name="TextBox 2">
-            <a:extLst>
-              <a:ext uri="{FF2B5EF4-FFF2-40B4-BE49-F238E27FC236}">
-                <a16:creationId xmlns:a16="http://schemas.microsoft.com/office/drawing/2014/main" id="{F1FBDB7C-BD20-039A-FD34-985337E57B02}"/>
+              <a:t>주요 기능 및 기술 </a:t>
+            </a:r>
+            <a:r>
+              <a:rPr kumimoji="1" lang="en-US" altLang="ko-KR" sz="4000">
+                <a:latin typeface="BM EULJIRO TTF" panose="020B0600000101010101" pitchFamily="34" charset="-127"/>
+                <a:ea typeface="BM EULJIRO TTF" panose="020B0600000101010101" pitchFamily="34" charset="-127"/>
+              </a:rPr>
+              <a:t>1</a:t>
+            </a:r>
+            <a:endParaRPr kumimoji="1" lang="ko-KR" altLang="en-US" sz="4000"/>
+          </a:p>
+        </p:txBody>
+      </p:sp>
+      <p:pic>
+        <p:nvPicPr>
+          <p:cNvPr id="3" name="그림 2">
+            <a:extLst>
+              <a:ext uri="{FF2B5EF4-FFF2-40B4-BE49-F238E27FC236}">
+                <a16:creationId xmlns:a16="http://schemas.microsoft.com/office/drawing/2014/main" id="{8EE0110A-F20A-BE8F-94E2-678493C71B28}"/>
+              </a:ext>
+            </a:extLst>
+          </p:cNvPr>
+          <p:cNvPicPr>
+            <a:picLocks noChangeAspect="1"/>
+          </p:cNvPicPr>
+          <p:nvPr/>
+        </p:nvPicPr>
+        <p:blipFill>
+          <a:blip r:embed="rId2"/>
+          <a:stretch>
+            <a:fillRect/>
+          </a:stretch>
+        </p:blipFill>
+        <p:spPr>
+          <a:xfrm>
+            <a:off x="2165132" y="1502969"/>
+            <a:ext cx="7496584" cy="4899600"/>
+          </a:xfrm>
+          <a:prstGeom prst="rect">
+            <a:avLst/>
+          </a:prstGeom>
+        </p:spPr>
+      </p:pic>
+      <p:sp>
+        <p:nvSpPr>
+          <p:cNvPr id="4" name="직사각형 3">
+            <a:extLst>
+              <a:ext uri="{FF2B5EF4-FFF2-40B4-BE49-F238E27FC236}">
+                <a16:creationId xmlns:a16="http://schemas.microsoft.com/office/drawing/2014/main" id="{222E81D6-F634-2CF8-390E-CEDC8E2A174F}"/>
+              </a:ext>
+            </a:extLst>
+          </p:cNvPr>
+          <p:cNvSpPr/>
+          <p:nvPr/>
+        </p:nvSpPr>
+        <p:spPr>
+          <a:xfrm>
+            <a:off x="4151587" y="1502969"/>
+            <a:ext cx="5517931" cy="4899600"/>
+          </a:xfrm>
+          <a:prstGeom prst="rect">
+            <a:avLst/>
+          </a:prstGeom>
+          <a:noFill/>
+          <a:ln w="28575">
+            <a:solidFill>
+              <a:srgbClr val="19ABD9"/>
+            </a:solidFill>
+          </a:ln>
+        </p:spPr>
+        <p:style>
+          <a:lnRef idx="2">
+            <a:schemeClr val="accent1">
+              <a:shade val="15000"/>
+            </a:schemeClr>
+          </a:lnRef>
+          <a:fillRef idx="1">
+            <a:schemeClr val="accent1"/>
+          </a:fillRef>
+          <a:effectRef idx="0">
+            <a:schemeClr val="accent1"/>
+          </a:effectRef>
+          <a:fontRef idx="minor">
+            <a:schemeClr val="lt1"/>
+          </a:fontRef>
+        </p:style>
+        <p:txBody>
+          <a:bodyPr rtlCol="0" anchor="ctr"/>
+          <a:lstStyle/>
+          <a:p>
+            <a:pPr algn="ctr"/>
+            <a:endParaRPr kumimoji="1" lang="ko-KR" altLang="en-US"/>
+          </a:p>
+        </p:txBody>
+      </p:sp>
+      <p:sp>
+        <p:nvSpPr>
+          <p:cNvPr id="6" name="직사각형 5">
+            <a:extLst>
+              <a:ext uri="{FF2B5EF4-FFF2-40B4-BE49-F238E27FC236}">
+                <a16:creationId xmlns:a16="http://schemas.microsoft.com/office/drawing/2014/main" id="{224E40C7-2DDB-E070-B108-DAEA71691B83}"/>
+              </a:ext>
+            </a:extLst>
+          </p:cNvPr>
+          <p:cNvSpPr/>
+          <p:nvPr/>
+        </p:nvSpPr>
+        <p:spPr>
+          <a:xfrm>
+            <a:off x="2301766" y="2238705"/>
+            <a:ext cx="1765738" cy="1881352"/>
+          </a:xfrm>
+          <a:prstGeom prst="rect">
+            <a:avLst/>
+          </a:prstGeom>
+          <a:noFill/>
+          <a:ln w="28575">
+            <a:solidFill>
+              <a:schemeClr val="tx1"/>
+            </a:solidFill>
+          </a:ln>
+        </p:spPr>
+        <p:style>
+          <a:lnRef idx="2">
+            <a:schemeClr val="accent1">
+              <a:shade val="15000"/>
+            </a:schemeClr>
+          </a:lnRef>
+          <a:fillRef idx="1">
+            <a:schemeClr val="accent1"/>
+          </a:fillRef>
+          <a:effectRef idx="0">
+            <a:schemeClr val="accent1"/>
+          </a:effectRef>
+          <a:fontRef idx="minor">
+            <a:schemeClr val="lt1"/>
+          </a:fontRef>
+        </p:style>
+        <p:txBody>
+          <a:bodyPr rtlCol="0" anchor="ctr"/>
+          <a:lstStyle/>
+          <a:p>
+            <a:pPr algn="ctr"/>
+            <a:endParaRPr kumimoji="1" lang="ko-KR" altLang="en-US"/>
+          </a:p>
+        </p:txBody>
+      </p:sp>
+      <p:sp>
+        <p:nvSpPr>
+          <p:cNvPr id="18" name="TextBox 17">
+            <a:extLst>
+              <a:ext uri="{FF2B5EF4-FFF2-40B4-BE49-F238E27FC236}">
+                <a16:creationId xmlns:a16="http://schemas.microsoft.com/office/drawing/2014/main" id="{BF163733-31BD-C40E-1773-61083740DD6E}"/>
               </a:ext>
             </a:extLst>
           </p:cNvPr>
@@ -4702,8 +5041,8 @@
         </p:nvSpPr>
         <p:spPr>
           <a:xfrm>
-            <a:off x="445859" y="1783654"/>
-            <a:ext cx="12417287" cy="2677656"/>
+            <a:off x="4234178" y="999109"/>
+            <a:ext cx="5352747" cy="400110"/>
           </a:xfrm>
           <a:prstGeom prst="rect">
             <a:avLst/>
@@ -4711,69 +5050,74 @@
           <a:noFill/>
         </p:spPr>
         <p:txBody>
-          <a:bodyPr wrap="square" rtlCol="0">
+          <a:bodyPr wrap="none" rtlCol="0">
             <a:spAutoFit/>
           </a:bodyPr>
           <a:lstStyle/>
           <a:p>
-            <a:r>
-              <a:rPr kumimoji="1" lang="en-US" altLang="ko-KR" sz="2800">
-                <a:latin typeface="NanumSquare Neo Regular" pitchFamily="2" charset="-127"/>
-                <a:ea typeface="NanumSquare Neo Regular" pitchFamily="2" charset="-127"/>
-              </a:rPr>
-              <a:t>Frontend : BootStrap, jQuery….</a:t>
-            </a:r>
-          </a:p>
-          <a:p>
-            <a:r>
-              <a:rPr kumimoji="1" lang="en-US" altLang="ko-KR" sz="2800">
-                <a:latin typeface="NanumSquare Neo Regular" pitchFamily="2" charset="-127"/>
-                <a:ea typeface="NanumSquare Neo Regular" pitchFamily="2" charset="-127"/>
-              </a:rPr>
-              <a:t>Backend : thymeleaf, Servlet, XMLHTTPRequest, JPA, MyBatis…</a:t>
-            </a:r>
-          </a:p>
-          <a:p>
-            <a:r>
-              <a:rPr kumimoji="1" lang="en-US" altLang="ko-KR" sz="2800">
-                <a:latin typeface="NanumSquare Neo Regular" pitchFamily="2" charset="-127"/>
-                <a:ea typeface="NanumSquare Neo Regular" pitchFamily="2" charset="-127"/>
-              </a:rPr>
-              <a:t>Tool : spring boot, intelli j</a:t>
-            </a:r>
-          </a:p>
-          <a:p>
-            <a:r>
-              <a:rPr kumimoji="1" lang="en-US" altLang="ko-KR" sz="2800">
-                <a:latin typeface="NanumSquare Neo Regular" pitchFamily="2" charset="-127"/>
-                <a:ea typeface="NanumSquare Neo Regular" pitchFamily="2" charset="-127"/>
-              </a:rPr>
-              <a:t>Language : java, JS, HTML, XML, CSS, SCSS…</a:t>
-            </a:r>
-          </a:p>
-          <a:p>
-            <a:r>
-              <a:rPr kumimoji="1" lang="en-US" altLang="ko-KR" sz="2800">
-                <a:latin typeface="NanumSquare Neo Regular" pitchFamily="2" charset="-127"/>
-                <a:ea typeface="NanumSquare Neo Regular" pitchFamily="2" charset="-127"/>
-              </a:rPr>
-              <a:t>DB : MySQL, MySQL Workbench</a:t>
-            </a:r>
-          </a:p>
-          <a:p>
-            <a:r>
-              <a:rPr kumimoji="1" lang="en-US" altLang="ko-KR" sz="2800">
-                <a:latin typeface="NanumSquare Neo Regular" pitchFamily="2" charset="-127"/>
-                <a:ea typeface="NanumSquare Neo Regular" pitchFamily="2" charset="-127"/>
-              </a:rPr>
-              <a:t>Server : spring boot </a:t>
-            </a:r>
-            <a:r>
-              <a:rPr kumimoji="1" lang="ko-KR" altLang="en-US" sz="2800">
-                <a:latin typeface="NanumSquare Neo Regular" pitchFamily="2" charset="-127"/>
-                <a:ea typeface="NanumSquare Neo Regular" pitchFamily="2" charset="-127"/>
-              </a:rPr>
-              <a:t>내장서버</a:t>
+            <a:pPr algn="ctr"/>
+            <a:r>
+              <a:rPr kumimoji="1" lang="en-US" altLang="ko-KR" sz="2000">
+                <a:latin typeface="NanumSquare Neo Regular" pitchFamily="2" charset="-127"/>
+                <a:ea typeface="NanumSquare Neo Regular" pitchFamily="2" charset="-127"/>
+              </a:rPr>
+              <a:t>SketchFab API</a:t>
+            </a:r>
+            <a:r>
+              <a:rPr kumimoji="1" lang="ko-KR" altLang="en-US" sz="2000">
+                <a:latin typeface="NanumSquare Neo Regular" pitchFamily="2" charset="-127"/>
+                <a:ea typeface="NanumSquare Neo Regular" pitchFamily="2" charset="-127"/>
+              </a:rPr>
+              <a:t>를 이용한 </a:t>
+            </a:r>
+            <a:r>
+              <a:rPr kumimoji="1" lang="en-US" altLang="ko-KR" sz="2000">
+                <a:latin typeface="NanumSquare Neo Regular" pitchFamily="2" charset="-127"/>
+                <a:ea typeface="NanumSquare Neo Regular" pitchFamily="2" charset="-127"/>
+              </a:rPr>
+              <a:t>3D Model display</a:t>
+            </a:r>
+            <a:endParaRPr kumimoji="1" lang="ko-KR" altLang="en-US" sz="2000">
+              <a:latin typeface="NanumSquare Neo Regular" pitchFamily="2" charset="-127"/>
+              <a:ea typeface="NanumSquare Neo Regular" pitchFamily="2" charset="-127"/>
+            </a:endParaRPr>
+          </a:p>
+        </p:txBody>
+      </p:sp>
+      <p:sp>
+        <p:nvSpPr>
+          <p:cNvPr id="27" name="TextBox 26">
+            <a:extLst>
+              <a:ext uri="{FF2B5EF4-FFF2-40B4-BE49-F238E27FC236}">
+                <a16:creationId xmlns:a16="http://schemas.microsoft.com/office/drawing/2014/main" id="{D71034A5-3E56-8FDF-5D77-6310F2D90A65}"/>
+              </a:ext>
+            </a:extLst>
+          </p:cNvPr>
+          <p:cNvSpPr txBox="1"/>
+          <p:nvPr/>
+        </p:nvSpPr>
+        <p:spPr>
+          <a:xfrm>
+            <a:off x="2482534" y="1725165"/>
+            <a:ext cx="1351652" cy="461665"/>
+          </a:xfrm>
+          <a:prstGeom prst="rect">
+            <a:avLst/>
+          </a:prstGeom>
+          <a:noFill/>
+        </p:spPr>
+        <p:txBody>
+          <a:bodyPr wrap="none" rtlCol="0">
+            <a:spAutoFit/>
+          </a:bodyPr>
+          <a:lstStyle/>
+          <a:p>
+            <a:r>
+              <a:rPr kumimoji="1" lang="ko-KR" altLang="en-US" sz="2400">
+                <a:latin typeface="NanumSquare Neo Regular" pitchFamily="2" charset="-127"/>
+                <a:ea typeface="NanumSquare Neo Regular" pitchFamily="2" charset="-127"/>
+              </a:rPr>
+              <a:t>필터기능</a:t>
             </a:r>
           </a:p>
         </p:txBody>
@@ -4781,7 +5125,7 @@
     </p:spTree>
     <p:extLst>
       <p:ext uri="{BB962C8B-B14F-4D97-AF65-F5344CB8AC3E}">
-        <p14:creationId xmlns:p14="http://schemas.microsoft.com/office/powerpoint/2010/main" val="2933286368"/>
+        <p14:creationId xmlns:p14="http://schemas.microsoft.com/office/powerpoint/2010/main" val="1151689642"/>
       </p:ext>
     </p:extLst>
   </p:cSld>
@@ -4813,7 +5157,7 @@
           <p:cNvPr id="2" name="제목 1">
             <a:extLst>
               <a:ext uri="{FF2B5EF4-FFF2-40B4-BE49-F238E27FC236}">
-                <a16:creationId xmlns:a16="http://schemas.microsoft.com/office/drawing/2014/main" id="{13F31BAA-7A54-6C35-1AA4-DC8B1E4D6F4E}"/>
+                <a16:creationId xmlns:a16="http://schemas.microsoft.com/office/drawing/2014/main" id="{C95CCAC1-74AE-25E3-F164-53B01C4540F6}"/>
               </a:ext>
             </a:extLst>
           </p:cNvPr>
@@ -4824,28 +5168,228 @@
             <p:ph type="title"/>
           </p:nvPr>
         </p:nvSpPr>
-        <p:spPr/>
-        <p:txBody>
-          <a:bodyPr/>
-          <a:lstStyle/>
-          <a:p>
-            <a:r>
-              <a:rPr kumimoji="1" lang="ko-KR" altLang="en-US">
+        <p:spPr>
+          <a:xfrm>
+            <a:off x="261464" y="0"/>
+            <a:ext cx="10515600" cy="1325563"/>
+          </a:xfrm>
+        </p:spPr>
+        <p:txBody>
+          <a:bodyPr>
+            <a:normAutofit/>
+          </a:bodyPr>
+          <a:lstStyle/>
+          <a:p>
+            <a:r>
+              <a:rPr kumimoji="1" lang="ko-KR" altLang="en-US" sz="4000">
                 <a:latin typeface="BM EULJIRO TTF" panose="020B0600000101010101" pitchFamily="34" charset="-127"/>
                 <a:ea typeface="BM EULJIRO TTF" panose="020B0600000101010101" pitchFamily="34" charset="-127"/>
               </a:rPr>
-              <a:t>아쉬운 점</a:t>
-            </a:r>
+              <a:t>주요 기능 및 기술 </a:t>
+            </a:r>
+            <a:r>
+              <a:rPr kumimoji="1" lang="en-US" altLang="ko-KR" sz="4000">
+                <a:latin typeface="BM EULJIRO TTF" panose="020B0600000101010101" pitchFamily="34" charset="-127"/>
+                <a:ea typeface="BM EULJIRO TTF" panose="020B0600000101010101" pitchFamily="34" charset="-127"/>
+              </a:rPr>
+              <a:t>2</a:t>
+            </a:r>
+            <a:endParaRPr kumimoji="1" lang="ko-KR" altLang="en-US" sz="4000"/>
+          </a:p>
+        </p:txBody>
+      </p:sp>
+      <p:pic>
+        <p:nvPicPr>
+          <p:cNvPr id="5" name="그림 4">
+            <a:extLst>
+              <a:ext uri="{FF2B5EF4-FFF2-40B4-BE49-F238E27FC236}">
+                <a16:creationId xmlns:a16="http://schemas.microsoft.com/office/drawing/2014/main" id="{CEDC0CC2-EEB5-B385-54F0-2278B8C3165B}"/>
+              </a:ext>
+            </a:extLst>
+          </p:cNvPr>
+          <p:cNvPicPr>
+            <a:picLocks noChangeAspect="1"/>
+          </p:cNvPicPr>
+          <p:nvPr/>
+        </p:nvPicPr>
+        <p:blipFill>
+          <a:blip r:embed="rId2"/>
+          <a:stretch>
+            <a:fillRect/>
+          </a:stretch>
+        </p:blipFill>
+        <p:spPr>
+          <a:xfrm>
+            <a:off x="1603510" y="1089677"/>
+            <a:ext cx="9739461" cy="5652000"/>
+          </a:xfrm>
+          <a:prstGeom prst="rect">
+            <a:avLst/>
+          </a:prstGeom>
+        </p:spPr>
+      </p:pic>
+      <p:sp>
+        <p:nvSpPr>
+          <p:cNvPr id="8" name="직사각형 7">
+            <a:extLst>
+              <a:ext uri="{FF2B5EF4-FFF2-40B4-BE49-F238E27FC236}">
+                <a16:creationId xmlns:a16="http://schemas.microsoft.com/office/drawing/2014/main" id="{D1286BD7-6716-71A4-F1F1-5C2A48B2F682}"/>
+              </a:ext>
+            </a:extLst>
+          </p:cNvPr>
+          <p:cNvSpPr/>
+          <p:nvPr/>
+        </p:nvSpPr>
+        <p:spPr>
+          <a:xfrm>
+            <a:off x="9114755" y="2415240"/>
+            <a:ext cx="334045" cy="222857"/>
+          </a:xfrm>
+          <a:prstGeom prst="rect">
+            <a:avLst/>
+          </a:prstGeom>
+          <a:noFill/>
+          <a:ln w="28575">
+            <a:solidFill>
+              <a:srgbClr val="FFC000"/>
+            </a:solidFill>
+          </a:ln>
+        </p:spPr>
+        <p:style>
+          <a:lnRef idx="2">
+            <a:schemeClr val="accent1">
+              <a:shade val="15000"/>
+            </a:schemeClr>
+          </a:lnRef>
+          <a:fillRef idx="1">
+            <a:schemeClr val="accent1"/>
+          </a:fillRef>
+          <a:effectRef idx="0">
+            <a:schemeClr val="accent1"/>
+          </a:effectRef>
+          <a:fontRef idx="minor">
+            <a:schemeClr val="lt1"/>
+          </a:fontRef>
+        </p:style>
+        <p:txBody>
+          <a:bodyPr rtlCol="0" anchor="ctr"/>
+          <a:lstStyle/>
+          <a:p>
+            <a:pPr algn="ctr"/>
             <a:endParaRPr kumimoji="1" lang="ko-KR" altLang="en-US"/>
           </a:p>
         </p:txBody>
       </p:sp>
       <p:sp>
         <p:nvSpPr>
-          <p:cNvPr id="3" name="TextBox 2">
-            <a:extLst>
-              <a:ext uri="{FF2B5EF4-FFF2-40B4-BE49-F238E27FC236}">
-                <a16:creationId xmlns:a16="http://schemas.microsoft.com/office/drawing/2014/main" id="{D7737C84-875A-1B71-009E-E02B4588A856}"/>
+          <p:cNvPr id="9" name="직사각형 8">
+            <a:extLst>
+              <a:ext uri="{FF2B5EF4-FFF2-40B4-BE49-F238E27FC236}">
+                <a16:creationId xmlns:a16="http://schemas.microsoft.com/office/drawing/2014/main" id="{77120CD2-F76A-B6ED-2585-5D0A72F44713}"/>
+              </a:ext>
+            </a:extLst>
+          </p:cNvPr>
+          <p:cNvSpPr/>
+          <p:nvPr/>
+        </p:nvSpPr>
+        <p:spPr>
+          <a:xfrm>
+            <a:off x="10577980" y="1166648"/>
+            <a:ext cx="584007" cy="273270"/>
+          </a:xfrm>
+          <a:prstGeom prst="rect">
+            <a:avLst/>
+          </a:prstGeom>
+          <a:noFill/>
+          <a:ln w="28575">
+            <a:solidFill>
+              <a:srgbClr val="FFFF00"/>
+            </a:solidFill>
+          </a:ln>
+        </p:spPr>
+        <p:style>
+          <a:lnRef idx="2">
+            <a:schemeClr val="accent1">
+              <a:shade val="15000"/>
+            </a:schemeClr>
+          </a:lnRef>
+          <a:fillRef idx="1">
+            <a:schemeClr val="accent1"/>
+          </a:fillRef>
+          <a:effectRef idx="0">
+            <a:schemeClr val="accent1"/>
+          </a:effectRef>
+          <a:fontRef idx="minor">
+            <a:schemeClr val="lt1"/>
+          </a:fontRef>
+        </p:style>
+        <p:txBody>
+          <a:bodyPr rtlCol="0" anchor="ctr"/>
+          <a:lstStyle/>
+          <a:p>
+            <a:pPr algn="ctr"/>
+            <a:endParaRPr kumimoji="1" lang="ko-KR" altLang="en-US"/>
+          </a:p>
+        </p:txBody>
+      </p:sp>
+      <p:sp>
+        <p:nvSpPr>
+          <p:cNvPr id="10" name="직사각형 9">
+            <a:extLst>
+              <a:ext uri="{FF2B5EF4-FFF2-40B4-BE49-F238E27FC236}">
+                <a16:creationId xmlns:a16="http://schemas.microsoft.com/office/drawing/2014/main" id="{E5D51464-0C49-D1DE-2355-C8BB338970F9}"/>
+              </a:ext>
+            </a:extLst>
+          </p:cNvPr>
+          <p:cNvSpPr/>
+          <p:nvPr/>
+        </p:nvSpPr>
+        <p:spPr>
+          <a:xfrm>
+            <a:off x="10213085" y="2420497"/>
+            <a:ext cx="334045" cy="222857"/>
+          </a:xfrm>
+          <a:prstGeom prst="rect">
+            <a:avLst/>
+          </a:prstGeom>
+          <a:noFill/>
+          <a:ln w="28575">
+            <a:solidFill>
+              <a:srgbClr val="92D050"/>
+            </a:solidFill>
+          </a:ln>
+        </p:spPr>
+        <p:style>
+          <a:lnRef idx="2">
+            <a:schemeClr val="accent1">
+              <a:shade val="15000"/>
+            </a:schemeClr>
+          </a:lnRef>
+          <a:fillRef idx="1">
+            <a:schemeClr val="accent1"/>
+          </a:fillRef>
+          <a:effectRef idx="0">
+            <a:schemeClr val="accent1"/>
+          </a:effectRef>
+          <a:fontRef idx="minor">
+            <a:schemeClr val="lt1"/>
+          </a:fontRef>
+        </p:style>
+        <p:txBody>
+          <a:bodyPr rtlCol="0" anchor="ctr"/>
+          <a:lstStyle/>
+          <a:p>
+            <a:pPr algn="ctr"/>
+            <a:endParaRPr kumimoji="1" lang="ko-KR" altLang="en-US"/>
+          </a:p>
+        </p:txBody>
+      </p:sp>
+      <p:sp>
+        <p:nvSpPr>
+          <p:cNvPr id="11" name="TextBox 10">
+            <a:extLst>
+              <a:ext uri="{FF2B5EF4-FFF2-40B4-BE49-F238E27FC236}">
+                <a16:creationId xmlns:a16="http://schemas.microsoft.com/office/drawing/2014/main" id="{C61628F6-A10A-BB08-72DE-A9AF4E73FA4A}"/>
               </a:ext>
             </a:extLst>
           </p:cNvPr>
@@ -4854,8 +5398,8 @@
         </p:nvSpPr>
         <p:spPr>
           <a:xfrm>
-            <a:off x="1312978" y="2472374"/>
-            <a:ext cx="9566044" cy="1200329"/>
+            <a:off x="5852836" y="401171"/>
+            <a:ext cx="3135795" cy="523220"/>
           </a:xfrm>
           <a:prstGeom prst="rect">
             <a:avLst/>
@@ -4863,100 +5407,167 @@
           <a:noFill/>
         </p:spPr>
         <p:txBody>
-          <a:bodyPr wrap="square" rtlCol="0">
+          <a:bodyPr wrap="none" rtlCol="0">
             <a:spAutoFit/>
           </a:bodyPr>
           <a:lstStyle/>
           <a:p>
             <a:r>
-              <a:rPr kumimoji="1" lang="en-US" altLang="ko-KR" sz="3600">
-                <a:latin typeface="NanumSquare Neo Regular" pitchFamily="2" charset="-127"/>
-                <a:ea typeface="NanumSquare Neo Regular" pitchFamily="2" charset="-127"/>
-              </a:rPr>
-              <a:t>‘</a:t>
-            </a:r>
-            <a:r>
-              <a:rPr kumimoji="1" lang="ko-KR" altLang="en-US" sz="3600">
-                <a:latin typeface="NanumSquare Neo Regular" pitchFamily="2" charset="-127"/>
-                <a:ea typeface="NanumSquare Neo Regular" pitchFamily="2" charset="-127"/>
-              </a:rPr>
-              <a:t>관리자 페이지</a:t>
-            </a:r>
-            <a:r>
-              <a:rPr kumimoji="1" lang="en-US" altLang="ko-KR" sz="3600">
-                <a:latin typeface="NanumSquare Neo Regular" pitchFamily="2" charset="-127"/>
-                <a:ea typeface="NanumSquare Neo Regular" pitchFamily="2" charset="-127"/>
-              </a:rPr>
-              <a:t>’</a:t>
-            </a:r>
-            <a:r>
-              <a:rPr kumimoji="1" lang="ko-KR" altLang="en-US" sz="3600">
-                <a:latin typeface="NanumSquare Neo Regular" pitchFamily="2" charset="-127"/>
-                <a:ea typeface="NanumSquare Neo Regular" pitchFamily="2" charset="-127"/>
-              </a:rPr>
-              <a:t>를 제외하고는 기능 </a:t>
-            </a:r>
-            <a:r>
-              <a:rPr kumimoji="1" lang="en-US" altLang="ko-KR" sz="3600">
-                <a:latin typeface="NanumSquare Neo Regular" pitchFamily="2" charset="-127"/>
-                <a:ea typeface="NanumSquare Neo Regular" pitchFamily="2" charset="-127"/>
-              </a:rPr>
-              <a:t>&amp;</a:t>
-            </a:r>
-            <a:r>
-              <a:rPr kumimoji="1" lang="ko-KR" altLang="en-US" sz="3600">
-                <a:latin typeface="NanumSquare Neo Regular" pitchFamily="2" charset="-127"/>
-                <a:ea typeface="NanumSquare Neo Regular" pitchFamily="2" charset="-127"/>
-              </a:rPr>
-              <a:t> 기술적으로 </a:t>
-            </a:r>
-            <a:endParaRPr kumimoji="1" lang="en-US" altLang="ko-KR" sz="3600">
-              <a:latin typeface="NanumSquare Neo Regular" pitchFamily="2" charset="-127"/>
-              <a:ea typeface="NanumSquare Neo Regular" pitchFamily="2" charset="-127"/>
-            </a:endParaRPr>
-          </a:p>
-          <a:p>
-            <a:r>
-              <a:rPr kumimoji="1" lang="ko-KR" altLang="en-US" sz="3600">
-                <a:latin typeface="NanumSquare Neo Regular" pitchFamily="2" charset="-127"/>
-                <a:ea typeface="NanumSquare Neo Regular" pitchFamily="2" charset="-127"/>
-              </a:rPr>
-              <a:t>크게 </a:t>
-            </a:r>
-            <a:r>
-              <a:rPr kumimoji="1" lang="ko-KR" altLang="en-US" sz="3600">
-                <a:highlight>
-                  <a:srgbClr val="FFFF00"/>
-                </a:highlight>
-                <a:latin typeface="NanumSquare Neo Regular" pitchFamily="2" charset="-127"/>
-                <a:ea typeface="NanumSquare Neo Regular" pitchFamily="2" charset="-127"/>
-              </a:rPr>
-              <a:t>기존의 웹 사이트와 차별을 두지 못하였다</a:t>
-            </a:r>
-            <a:r>
-              <a:rPr kumimoji="1" lang="en-US" altLang="ko-KR" sz="3600">
-                <a:highlight>
-                  <a:srgbClr val="FFFF00"/>
-                </a:highlight>
-                <a:latin typeface="NanumSquare Neo Regular" pitchFamily="2" charset="-127"/>
-                <a:ea typeface="NanumSquare Neo Regular" pitchFamily="2" charset="-127"/>
-              </a:rPr>
-              <a:t>.</a:t>
-            </a:r>
-            <a:endParaRPr kumimoji="1" lang="ko-KR" altLang="en-US" sz="3600">
-              <a:highlight>
-                <a:srgbClr val="FFFF00"/>
-              </a:highlight>
-              <a:latin typeface="NanumSquare Neo Regular" pitchFamily="2" charset="-127"/>
-              <a:ea typeface="NanumSquare Neo Regular" pitchFamily="2" charset="-127"/>
-            </a:endParaRPr>
-          </a:p>
-        </p:txBody>
-      </p:sp>
+              <a:rPr kumimoji="1" lang="ko-KR" altLang="en-US" sz="2800">
+                <a:latin typeface="NanumSquare Neo Regular" pitchFamily="2" charset="-127"/>
+                <a:ea typeface="NanumSquare Neo Regular" pitchFamily="2" charset="-127"/>
+              </a:rPr>
+              <a:t>신발의 </a:t>
+            </a:r>
+            <a:r>
+              <a:rPr kumimoji="1" lang="en-US" altLang="ko-KR" sz="2800">
+                <a:latin typeface="NanumSquare Neo Regular" pitchFamily="2" charset="-127"/>
+                <a:ea typeface="NanumSquare Neo Regular" pitchFamily="2" charset="-127"/>
+              </a:rPr>
+              <a:t>CRUD</a:t>
+            </a:r>
+            <a:r>
+              <a:rPr kumimoji="1" lang="ko-KR" altLang="en-US" sz="2800">
+                <a:latin typeface="NanumSquare Neo Regular" pitchFamily="2" charset="-127"/>
+                <a:ea typeface="NanumSquare Neo Regular" pitchFamily="2" charset="-127"/>
+              </a:rPr>
+              <a:t> 기능</a:t>
+            </a:r>
+          </a:p>
+        </p:txBody>
+      </p:sp>
+      <p:cxnSp>
+        <p:nvCxnSpPr>
+          <p:cNvPr id="13" name="직선 화살표 연결선 12">
+            <a:extLst>
+              <a:ext uri="{FF2B5EF4-FFF2-40B4-BE49-F238E27FC236}">
+                <a16:creationId xmlns:a16="http://schemas.microsoft.com/office/drawing/2014/main" id="{BED706F0-BA07-9195-DE34-304921C46AB8}"/>
+              </a:ext>
+            </a:extLst>
+          </p:cNvPr>
+          <p:cNvCxnSpPr>
+            <a:stCxn id="11" idx="3"/>
+            <a:endCxn id="9" idx="1"/>
+          </p:cNvCxnSpPr>
+          <p:nvPr/>
+        </p:nvCxnSpPr>
+        <p:spPr>
+          <a:xfrm>
+            <a:off x="8988631" y="662781"/>
+            <a:ext cx="1589349" cy="640502"/>
+          </a:xfrm>
+          <a:prstGeom prst="straightConnector1">
+            <a:avLst/>
+          </a:prstGeom>
+          <a:ln>
+            <a:tailEnd type="triangle"/>
+          </a:ln>
+        </p:spPr>
+        <p:style>
+          <a:lnRef idx="1">
+            <a:schemeClr val="accent1"/>
+          </a:lnRef>
+          <a:fillRef idx="0">
+            <a:schemeClr val="accent1"/>
+          </a:fillRef>
+          <a:effectRef idx="0">
+            <a:schemeClr val="accent1"/>
+          </a:effectRef>
+          <a:fontRef idx="minor">
+            <a:schemeClr val="tx1"/>
+          </a:fontRef>
+        </p:style>
+      </p:cxnSp>
+      <p:cxnSp>
+        <p:nvCxnSpPr>
+          <p:cNvPr id="14" name="직선 화살표 연결선 13">
+            <a:extLst>
+              <a:ext uri="{FF2B5EF4-FFF2-40B4-BE49-F238E27FC236}">
+                <a16:creationId xmlns:a16="http://schemas.microsoft.com/office/drawing/2014/main" id="{23F3693B-604B-9DC1-553F-E0583C098DBB}"/>
+              </a:ext>
+            </a:extLst>
+          </p:cNvPr>
+          <p:cNvCxnSpPr>
+            <a:cxnSpLocks/>
+            <a:stCxn id="11" idx="2"/>
+            <a:endCxn id="10" idx="0"/>
+          </p:cNvCxnSpPr>
+          <p:nvPr/>
+        </p:nvCxnSpPr>
+        <p:spPr>
+          <a:xfrm>
+            <a:off x="7420734" y="924391"/>
+            <a:ext cx="2959374" cy="1496106"/>
+          </a:xfrm>
+          <a:prstGeom prst="straightConnector1">
+            <a:avLst/>
+          </a:prstGeom>
+          <a:ln>
+            <a:tailEnd type="triangle"/>
+          </a:ln>
+        </p:spPr>
+        <p:style>
+          <a:lnRef idx="1">
+            <a:schemeClr val="accent1"/>
+          </a:lnRef>
+          <a:fillRef idx="0">
+            <a:schemeClr val="accent1"/>
+          </a:fillRef>
+          <a:effectRef idx="0">
+            <a:schemeClr val="accent1"/>
+          </a:effectRef>
+          <a:fontRef idx="minor">
+            <a:schemeClr val="tx1"/>
+          </a:fontRef>
+        </p:style>
+      </p:cxnSp>
+      <p:cxnSp>
+        <p:nvCxnSpPr>
+          <p:cNvPr id="15" name="직선 화살표 연결선 14">
+            <a:extLst>
+              <a:ext uri="{FF2B5EF4-FFF2-40B4-BE49-F238E27FC236}">
+                <a16:creationId xmlns:a16="http://schemas.microsoft.com/office/drawing/2014/main" id="{8B9449E2-8A0E-B282-FE31-1D2386DBB58E}"/>
+              </a:ext>
+            </a:extLst>
+          </p:cNvPr>
+          <p:cNvCxnSpPr>
+            <a:cxnSpLocks/>
+            <a:stCxn id="11" idx="2"/>
+            <a:endCxn id="8" idx="0"/>
+          </p:cNvCxnSpPr>
+          <p:nvPr/>
+        </p:nvCxnSpPr>
+        <p:spPr>
+          <a:xfrm>
+            <a:off x="7420734" y="924391"/>
+            <a:ext cx="1861044" cy="1490849"/>
+          </a:xfrm>
+          <a:prstGeom prst="straightConnector1">
+            <a:avLst/>
+          </a:prstGeom>
+          <a:ln>
+            <a:tailEnd type="triangle"/>
+          </a:ln>
+        </p:spPr>
+        <p:style>
+          <a:lnRef idx="1">
+            <a:schemeClr val="accent1"/>
+          </a:lnRef>
+          <a:fillRef idx="0">
+            <a:schemeClr val="accent1"/>
+          </a:fillRef>
+          <a:effectRef idx="0">
+            <a:schemeClr val="accent1"/>
+          </a:effectRef>
+          <a:fontRef idx="minor">
+            <a:schemeClr val="tx1"/>
+          </a:fontRef>
+        </p:style>
+      </p:cxnSp>
     </p:spTree>
     <p:extLst>
       <p:ext uri="{BB962C8B-B14F-4D97-AF65-F5344CB8AC3E}">
-        <p14:creationId xmlns:p14="http://schemas.microsoft.com/office/powerpoint/2010/main" val="3286575311"/>
+        <p14:creationId xmlns:p14="http://schemas.microsoft.com/office/powerpoint/2010/main" val="57809964"/>
       </p:ext>
     </p:extLst>
   </p:cSld>
@@ -4988,7 +5599,7 @@
           <p:cNvPr id="2" name="제목 1">
             <a:extLst>
               <a:ext uri="{FF2B5EF4-FFF2-40B4-BE49-F238E27FC236}">
-                <a16:creationId xmlns:a16="http://schemas.microsoft.com/office/drawing/2014/main" id="{13F31BAA-7A54-6C35-1AA4-DC8B1E4D6F4E}"/>
+                <a16:creationId xmlns:a16="http://schemas.microsoft.com/office/drawing/2014/main" id="{C95CCAC1-74AE-25E3-F164-53B01C4540F6}"/>
               </a:ext>
             </a:extLst>
           </p:cNvPr>
@@ -5001,8 +5612,8 @@
         </p:nvSpPr>
         <p:spPr>
           <a:xfrm>
-            <a:off x="5421822" y="2181272"/>
-            <a:ext cx="1658318" cy="1906520"/>
+            <a:off x="261464" y="0"/>
+            <a:ext cx="10515600" cy="1325563"/>
           </a:xfrm>
         </p:spPr>
         <p:txBody>
@@ -5012,20 +5623,817 @@
           <a:lstStyle/>
           <a:p>
             <a:r>
-              <a:rPr kumimoji="1" lang="ko-KR" altLang="en-US" sz="8800">
+              <a:rPr kumimoji="1" lang="ko-KR" altLang="en-US" sz="4000">
                 <a:latin typeface="BM EULJIRO TTF" panose="020B0600000101010101" pitchFamily="34" charset="-127"/>
                 <a:ea typeface="BM EULJIRO TTF" panose="020B0600000101010101" pitchFamily="34" charset="-127"/>
               </a:rPr>
-              <a:t>끝</a:t>
-            </a:r>
-            <a:endParaRPr kumimoji="1" lang="ko-KR" altLang="en-US" sz="8800"/>
+              <a:t>주요 기능 및 기술 </a:t>
+            </a:r>
+            <a:r>
+              <a:rPr kumimoji="1" lang="en-US" altLang="ko-KR" sz="4000">
+                <a:latin typeface="BM EULJIRO TTF" panose="020B0600000101010101" pitchFamily="34" charset="-127"/>
+                <a:ea typeface="BM EULJIRO TTF" panose="020B0600000101010101" pitchFamily="34" charset="-127"/>
+              </a:rPr>
+              <a:t>3</a:t>
+            </a:r>
+            <a:endParaRPr kumimoji="1" lang="ko-KR" altLang="en-US" sz="4000"/>
+          </a:p>
+        </p:txBody>
+      </p:sp>
+      <p:sp>
+        <p:nvSpPr>
+          <p:cNvPr id="18" name="TextBox 17">
+            <a:extLst>
+              <a:ext uri="{FF2B5EF4-FFF2-40B4-BE49-F238E27FC236}">
+                <a16:creationId xmlns:a16="http://schemas.microsoft.com/office/drawing/2014/main" id="{BF163733-31BD-C40E-1773-61083740DD6E}"/>
+              </a:ext>
+            </a:extLst>
+          </p:cNvPr>
+          <p:cNvSpPr txBox="1"/>
+          <p:nvPr/>
+        </p:nvSpPr>
+        <p:spPr>
+          <a:xfrm>
+            <a:off x="4938108" y="428365"/>
+            <a:ext cx="5530680" cy="400110"/>
+          </a:xfrm>
+          <a:prstGeom prst="rect">
+            <a:avLst/>
+          </a:prstGeom>
+          <a:noFill/>
+        </p:spPr>
+        <p:txBody>
+          <a:bodyPr wrap="none" rtlCol="0">
+            <a:spAutoFit/>
+          </a:bodyPr>
+          <a:lstStyle/>
+          <a:p>
+            <a:pPr algn="ctr"/>
+            <a:r>
+              <a:rPr kumimoji="1" lang="en-US" altLang="ko-KR" sz="2000" u="sng">
+                <a:latin typeface="NanumSquare Neo Regular" pitchFamily="2" charset="-127"/>
+                <a:ea typeface="NanumSquare Neo Regular" pitchFamily="2" charset="-127"/>
+              </a:rPr>
+              <a:t>SHA-256</a:t>
+            </a:r>
+            <a:r>
+              <a:rPr kumimoji="1" lang="ko-KR" altLang="en-US" sz="2000">
+                <a:latin typeface="NanumSquare Neo Regular" pitchFamily="2" charset="-127"/>
+                <a:ea typeface="NanumSquare Neo Regular" pitchFamily="2" charset="-127"/>
+              </a:rPr>
+              <a:t>를 이용한 비밀번호 암호화</a:t>
+            </a:r>
+            <a:r>
+              <a:rPr kumimoji="1" lang="en-US" altLang="ko-KR" sz="2000">
+                <a:latin typeface="NanumSquare Neo Regular" pitchFamily="2" charset="-127"/>
+                <a:ea typeface="NanumSquare Neo Regular" pitchFamily="2" charset="-127"/>
+              </a:rPr>
+              <a:t> </a:t>
+            </a:r>
+            <a:r>
+              <a:rPr kumimoji="1" lang="en-US" altLang="ko-KR" sz="1400">
+                <a:latin typeface="NanumSquare Neo Regular" pitchFamily="2" charset="-127"/>
+                <a:ea typeface="NanumSquare Neo Regular" pitchFamily="2" charset="-127"/>
+              </a:rPr>
+              <a:t>(feat. Hash)</a:t>
+            </a:r>
+            <a:endParaRPr kumimoji="1" lang="ko-KR" altLang="en-US" sz="2000">
+              <a:latin typeface="NanumSquare Neo Regular" pitchFamily="2" charset="-127"/>
+              <a:ea typeface="NanumSquare Neo Regular" pitchFamily="2" charset="-127"/>
+            </a:endParaRPr>
+          </a:p>
+        </p:txBody>
+      </p:sp>
+      <p:pic>
+        <p:nvPicPr>
+          <p:cNvPr id="8" name="그림 7">
+            <a:extLst>
+              <a:ext uri="{FF2B5EF4-FFF2-40B4-BE49-F238E27FC236}">
+                <a16:creationId xmlns:a16="http://schemas.microsoft.com/office/drawing/2014/main" id="{BE9FDA6C-A2CA-A782-4DC8-9F3D4CB589DA}"/>
+              </a:ext>
+            </a:extLst>
+          </p:cNvPr>
+          <p:cNvPicPr>
+            <a:picLocks noChangeAspect="1"/>
+          </p:cNvPicPr>
+          <p:nvPr/>
+        </p:nvPicPr>
+        <p:blipFill>
+          <a:blip r:embed="rId2"/>
+          <a:stretch>
+            <a:fillRect/>
+          </a:stretch>
+        </p:blipFill>
+        <p:spPr>
+          <a:xfrm>
+            <a:off x="308517" y="3278713"/>
+            <a:ext cx="7772400" cy="1712388"/>
+          </a:xfrm>
+          <a:prstGeom prst="rect">
+            <a:avLst/>
+          </a:prstGeom>
+        </p:spPr>
+      </p:pic>
+      <p:pic>
+        <p:nvPicPr>
+          <p:cNvPr id="9" name="그림 8">
+            <a:extLst>
+              <a:ext uri="{FF2B5EF4-FFF2-40B4-BE49-F238E27FC236}">
+                <a16:creationId xmlns:a16="http://schemas.microsoft.com/office/drawing/2014/main" id="{F0E1700B-92FF-2E06-9246-6EBB376C0A0E}"/>
+              </a:ext>
+            </a:extLst>
+          </p:cNvPr>
+          <p:cNvPicPr>
+            <a:picLocks noChangeAspect="1"/>
+          </p:cNvPicPr>
+          <p:nvPr/>
+        </p:nvPicPr>
+        <p:blipFill>
+          <a:blip r:embed="rId3"/>
+          <a:stretch>
+            <a:fillRect/>
+          </a:stretch>
+        </p:blipFill>
+        <p:spPr>
+          <a:xfrm>
+            <a:off x="308517" y="1212685"/>
+            <a:ext cx="4991100" cy="1866900"/>
+          </a:xfrm>
+          <a:prstGeom prst="rect">
+            <a:avLst/>
+          </a:prstGeom>
+        </p:spPr>
+      </p:pic>
+      <p:pic>
+        <p:nvPicPr>
+          <p:cNvPr id="10" name="그림 9">
+            <a:extLst>
+              <a:ext uri="{FF2B5EF4-FFF2-40B4-BE49-F238E27FC236}">
+                <a16:creationId xmlns:a16="http://schemas.microsoft.com/office/drawing/2014/main" id="{B5464637-C8BF-87E3-6A74-51EE81DC587C}"/>
+              </a:ext>
+            </a:extLst>
+          </p:cNvPr>
+          <p:cNvPicPr>
+            <a:picLocks noChangeAspect="1"/>
+          </p:cNvPicPr>
+          <p:nvPr/>
+        </p:nvPicPr>
+        <p:blipFill>
+          <a:blip r:embed="rId4"/>
+          <a:stretch>
+            <a:fillRect/>
+          </a:stretch>
+        </p:blipFill>
+        <p:spPr>
+          <a:xfrm>
+            <a:off x="7901658" y="1651429"/>
+            <a:ext cx="3664432" cy="639821"/>
+          </a:xfrm>
+          <a:prstGeom prst="rect">
+            <a:avLst/>
+          </a:prstGeom>
+        </p:spPr>
+      </p:pic>
+      <p:pic>
+        <p:nvPicPr>
+          <p:cNvPr id="11" name="그림 10">
+            <a:extLst>
+              <a:ext uri="{FF2B5EF4-FFF2-40B4-BE49-F238E27FC236}">
+                <a16:creationId xmlns:a16="http://schemas.microsoft.com/office/drawing/2014/main" id="{7F24EB60-64E9-D536-420F-3A2FB6EDF1F0}"/>
+              </a:ext>
+            </a:extLst>
+          </p:cNvPr>
+          <p:cNvPicPr>
+            <a:picLocks noChangeAspect="1"/>
+          </p:cNvPicPr>
+          <p:nvPr/>
+        </p:nvPicPr>
+        <p:blipFill rotWithShape="1">
+          <a:blip r:embed="rId5"/>
+          <a:srcRect b="56020"/>
+          <a:stretch/>
+        </p:blipFill>
+        <p:spPr>
+          <a:xfrm>
+            <a:off x="308517" y="5206855"/>
+            <a:ext cx="3949700" cy="876919"/>
+          </a:xfrm>
+          <a:prstGeom prst="rect">
+            <a:avLst/>
+          </a:prstGeom>
+        </p:spPr>
+      </p:pic>
+      <p:sp>
+        <p:nvSpPr>
+          <p:cNvPr id="12" name="TextBox 11">
+            <a:extLst>
+              <a:ext uri="{FF2B5EF4-FFF2-40B4-BE49-F238E27FC236}">
+                <a16:creationId xmlns:a16="http://schemas.microsoft.com/office/drawing/2014/main" id="{C85B1CBA-7B8A-272D-FD2E-8D572B32EF28}"/>
+              </a:ext>
+            </a:extLst>
+          </p:cNvPr>
+          <p:cNvSpPr txBox="1"/>
+          <p:nvPr/>
+        </p:nvSpPr>
+        <p:spPr>
+          <a:xfrm>
+            <a:off x="4415227" y="5625808"/>
+            <a:ext cx="1568058" cy="400110"/>
+          </a:xfrm>
+          <a:prstGeom prst="rect">
+            <a:avLst/>
+          </a:prstGeom>
+          <a:noFill/>
+        </p:spPr>
+        <p:txBody>
+          <a:bodyPr wrap="none" rtlCol="0">
+            <a:spAutoFit/>
+          </a:bodyPr>
+          <a:lstStyle/>
+          <a:p>
+            <a:pPr algn="ctr"/>
+            <a:r>
+              <a:rPr kumimoji="1" lang="en-US" altLang="ko-KR" sz="2000">
+                <a:latin typeface="NanumSquare Neo Regular" pitchFamily="2" charset="-127"/>
+                <a:ea typeface="NanumSquare Neo Regular" pitchFamily="2" charset="-127"/>
+              </a:rPr>
+              <a:t>3.</a:t>
+            </a:r>
+            <a:r>
+              <a:rPr kumimoji="1" lang="ko-KR" altLang="en-US" sz="2000">
+                <a:latin typeface="NanumSquare Neo Regular" pitchFamily="2" charset="-127"/>
+                <a:ea typeface="NanumSquare Neo Regular" pitchFamily="2" charset="-127"/>
+              </a:rPr>
+              <a:t> </a:t>
+            </a:r>
+            <a:r>
+              <a:rPr kumimoji="1" lang="en-US" altLang="ko-KR" sz="2000">
+                <a:latin typeface="NanumSquare Neo Regular" pitchFamily="2" charset="-127"/>
+                <a:ea typeface="NanumSquare Neo Regular" pitchFamily="2" charset="-127"/>
+              </a:rPr>
+              <a:t>SQL</a:t>
+            </a:r>
+            <a:r>
+              <a:rPr kumimoji="1" lang="ko-KR" altLang="en-US" sz="2000">
+                <a:latin typeface="NanumSquare Neo Regular" pitchFamily="2" charset="-127"/>
+                <a:ea typeface="NanumSquare Neo Regular" pitchFamily="2" charset="-127"/>
+              </a:rPr>
+              <a:t> 저장</a:t>
+            </a:r>
+          </a:p>
+        </p:txBody>
+      </p:sp>
+      <p:sp>
+        <p:nvSpPr>
+          <p:cNvPr id="13" name="TextBox 12">
+            <a:extLst>
+              <a:ext uri="{FF2B5EF4-FFF2-40B4-BE49-F238E27FC236}">
+                <a16:creationId xmlns:a16="http://schemas.microsoft.com/office/drawing/2014/main" id="{BD8543F8-659E-E88F-070D-4C52F80923F9}"/>
+              </a:ext>
+            </a:extLst>
+          </p:cNvPr>
+          <p:cNvSpPr txBox="1"/>
+          <p:nvPr/>
+        </p:nvSpPr>
+        <p:spPr>
+          <a:xfrm>
+            <a:off x="8392009" y="3934852"/>
+            <a:ext cx="3413115" cy="400110"/>
+          </a:xfrm>
+          <a:prstGeom prst="rect">
+            <a:avLst/>
+          </a:prstGeom>
+          <a:noFill/>
+        </p:spPr>
+        <p:txBody>
+          <a:bodyPr wrap="none" rtlCol="0">
+            <a:spAutoFit/>
+          </a:bodyPr>
+          <a:lstStyle/>
+          <a:p>
+            <a:pPr algn="ctr"/>
+            <a:r>
+              <a:rPr kumimoji="1" lang="en-US" altLang="ko-KR" sz="2000">
+                <a:latin typeface="NanumSquare Neo Regular" pitchFamily="2" charset="-127"/>
+                <a:ea typeface="NanumSquare Neo Regular" pitchFamily="2" charset="-127"/>
+              </a:rPr>
+              <a:t>2.</a:t>
+            </a:r>
+            <a:r>
+              <a:rPr kumimoji="1" lang="ko-KR" altLang="en-US" sz="2000">
+                <a:latin typeface="NanumSquare Neo Regular" pitchFamily="2" charset="-127"/>
+                <a:ea typeface="NanumSquare Neo Regular" pitchFamily="2" charset="-127"/>
+              </a:rPr>
+              <a:t> 생성한 </a:t>
+            </a:r>
+            <a:r>
+              <a:rPr kumimoji="1" lang="en-US" altLang="ko-KR" sz="2000">
+                <a:latin typeface="NanumSquare Neo Regular" pitchFamily="2" charset="-127"/>
+                <a:ea typeface="NanumSquare Neo Regular" pitchFamily="2" charset="-127"/>
+              </a:rPr>
+              <a:t>Salt</a:t>
+            </a:r>
+            <a:r>
+              <a:rPr kumimoji="1" lang="ko-KR" altLang="en-US" sz="2000">
+                <a:latin typeface="NanumSquare Neo Regular" pitchFamily="2" charset="-127"/>
+                <a:ea typeface="NanumSquare Neo Regular" pitchFamily="2" charset="-127"/>
+              </a:rPr>
+              <a:t>를 얻어</a:t>
+            </a:r>
+            <a:r>
+              <a:rPr kumimoji="1" lang="en-US" altLang="ko-KR" sz="2000">
+                <a:latin typeface="NanumSquare Neo Regular" pitchFamily="2" charset="-127"/>
+                <a:ea typeface="NanumSquare Neo Regular" pitchFamily="2" charset="-127"/>
+              </a:rPr>
+              <a:t>,</a:t>
+            </a:r>
+            <a:r>
+              <a:rPr kumimoji="1" lang="ko-KR" altLang="en-US" sz="2000">
+                <a:latin typeface="NanumSquare Neo Regular" pitchFamily="2" charset="-127"/>
+                <a:ea typeface="NanumSquare Neo Regular" pitchFamily="2" charset="-127"/>
+              </a:rPr>
+              <a:t> 해쉬화</a:t>
+            </a:r>
+          </a:p>
+        </p:txBody>
+      </p:sp>
+      <p:sp>
+        <p:nvSpPr>
+          <p:cNvPr id="14" name="TextBox 13">
+            <a:extLst>
+              <a:ext uri="{FF2B5EF4-FFF2-40B4-BE49-F238E27FC236}">
+                <a16:creationId xmlns:a16="http://schemas.microsoft.com/office/drawing/2014/main" id="{60321D4C-A972-F3F1-ED00-9D26097626E3}"/>
+              </a:ext>
+            </a:extLst>
+          </p:cNvPr>
+          <p:cNvSpPr txBox="1"/>
+          <p:nvPr/>
+        </p:nvSpPr>
+        <p:spPr>
+          <a:xfrm>
+            <a:off x="5616884" y="1902028"/>
+            <a:ext cx="1468672" cy="400110"/>
+          </a:xfrm>
+          <a:prstGeom prst="rect">
+            <a:avLst/>
+          </a:prstGeom>
+          <a:noFill/>
+        </p:spPr>
+        <p:txBody>
+          <a:bodyPr wrap="none" rtlCol="0">
+            <a:spAutoFit/>
+          </a:bodyPr>
+          <a:lstStyle/>
+          <a:p>
+            <a:pPr algn="ctr"/>
+            <a:r>
+              <a:rPr kumimoji="1" lang="en-US" altLang="ko-KR" sz="2000">
+                <a:latin typeface="NanumSquare Neo Regular" pitchFamily="2" charset="-127"/>
+                <a:ea typeface="NanumSquare Neo Regular" pitchFamily="2" charset="-127"/>
+              </a:rPr>
+              <a:t>1.</a:t>
+            </a:r>
+            <a:r>
+              <a:rPr kumimoji="1" lang="ko-KR" altLang="en-US" sz="2000">
+                <a:latin typeface="NanumSquare Neo Regular" pitchFamily="2" charset="-127"/>
+                <a:ea typeface="NanumSquare Neo Regular" pitchFamily="2" charset="-127"/>
+              </a:rPr>
+              <a:t> </a:t>
+            </a:r>
+            <a:r>
+              <a:rPr kumimoji="1" lang="en-US" altLang="ko-KR" sz="2000">
+                <a:latin typeface="NanumSquare Neo Regular" pitchFamily="2" charset="-127"/>
+                <a:ea typeface="NanumSquare Neo Regular" pitchFamily="2" charset="-127"/>
+              </a:rPr>
+              <a:t>Salt</a:t>
+            </a:r>
+            <a:r>
+              <a:rPr kumimoji="1" lang="ko-KR" altLang="en-US" sz="2000">
+                <a:latin typeface="NanumSquare Neo Regular" pitchFamily="2" charset="-127"/>
+                <a:ea typeface="NanumSquare Neo Regular" pitchFamily="2" charset="-127"/>
+              </a:rPr>
+              <a:t> 생성</a:t>
+            </a:r>
+          </a:p>
+        </p:txBody>
+      </p:sp>
+      <p:cxnSp>
+        <p:nvCxnSpPr>
+          <p:cNvPr id="16" name="직선 화살표 연결선 15">
+            <a:extLst>
+              <a:ext uri="{FF2B5EF4-FFF2-40B4-BE49-F238E27FC236}">
+                <a16:creationId xmlns:a16="http://schemas.microsoft.com/office/drawing/2014/main" id="{965C9FB1-2AD5-EC7E-6B01-FF4B7533BE4F}"/>
+              </a:ext>
+            </a:extLst>
+          </p:cNvPr>
+          <p:cNvCxnSpPr>
+            <a:stCxn id="12" idx="3"/>
+            <a:endCxn id="10" idx="2"/>
+          </p:cNvCxnSpPr>
+          <p:nvPr/>
+        </p:nvCxnSpPr>
+        <p:spPr>
+          <a:xfrm flipV="1">
+            <a:off x="5983285" y="2291250"/>
+            <a:ext cx="3750589" cy="3534613"/>
+          </a:xfrm>
+          <a:prstGeom prst="straightConnector1">
+            <a:avLst/>
+          </a:prstGeom>
+          <a:ln w="19050">
+            <a:solidFill>
+              <a:srgbClr val="FF0000"/>
+            </a:solidFill>
+            <a:tailEnd type="triangle"/>
+          </a:ln>
+        </p:spPr>
+        <p:style>
+          <a:lnRef idx="1">
+            <a:schemeClr val="accent1"/>
+          </a:lnRef>
+          <a:fillRef idx="0">
+            <a:schemeClr val="accent1"/>
+          </a:fillRef>
+          <a:effectRef idx="0">
+            <a:schemeClr val="accent1"/>
+          </a:effectRef>
+          <a:fontRef idx="minor">
+            <a:schemeClr val="tx1"/>
+          </a:fontRef>
+        </p:style>
+      </p:cxnSp>
+      <p:sp>
+        <p:nvSpPr>
+          <p:cNvPr id="19" name="TextBox 18">
+            <a:extLst>
+              <a:ext uri="{FF2B5EF4-FFF2-40B4-BE49-F238E27FC236}">
+                <a16:creationId xmlns:a16="http://schemas.microsoft.com/office/drawing/2014/main" id="{7D151880-5FC3-C402-F570-1F0B554704B6}"/>
+              </a:ext>
+            </a:extLst>
+          </p:cNvPr>
+          <p:cNvSpPr txBox="1"/>
+          <p:nvPr/>
+        </p:nvSpPr>
+        <p:spPr>
+          <a:xfrm>
+            <a:off x="8482569" y="1390559"/>
+            <a:ext cx="2502609" cy="400110"/>
+          </a:xfrm>
+          <a:prstGeom prst="rect">
+            <a:avLst/>
+          </a:prstGeom>
+          <a:noFill/>
+        </p:spPr>
+        <p:txBody>
+          <a:bodyPr wrap="none" rtlCol="0">
+            <a:spAutoFit/>
+          </a:bodyPr>
+          <a:lstStyle/>
+          <a:p>
+            <a:pPr algn="ctr"/>
+            <a:r>
+              <a:rPr kumimoji="1" lang="ko-KR" altLang="en-US" sz="2000">
+                <a:highlight>
+                  <a:srgbClr val="C0C0C0"/>
+                </a:highlight>
+                <a:latin typeface="NanumSquare Neo Regular" pitchFamily="2" charset="-127"/>
+                <a:ea typeface="NanumSquare Neo Regular" pitchFamily="2" charset="-127"/>
+              </a:rPr>
+              <a:t>저장된 해쉬 비밀번호</a:t>
+            </a:r>
           </a:p>
         </p:txBody>
       </p:sp>
     </p:spTree>
     <p:extLst>
       <p:ext uri="{BB962C8B-B14F-4D97-AF65-F5344CB8AC3E}">
-        <p14:creationId xmlns:p14="http://schemas.microsoft.com/office/powerpoint/2010/main" val="2745035508"/>
+        <p14:creationId xmlns:p14="http://schemas.microsoft.com/office/powerpoint/2010/main" val="51930789"/>
+      </p:ext>
+    </p:extLst>
+  </p:cSld>
+  <p:clrMapOvr>
+    <a:masterClrMapping/>
+  </p:clrMapOvr>
+</p:sld>
+</file>
+
+<file path=ppt/slides/slide8.xml><?xml version="1.0" encoding="utf-8"?>
+<p:sld xmlns:a="http://schemas.openxmlformats.org/drawingml/2006/main" xmlns:r="http://schemas.openxmlformats.org/officeDocument/2006/relationships" xmlns:p="http://schemas.openxmlformats.org/presentationml/2006/main">
+  <p:cSld>
+    <p:spTree>
+      <p:nvGrpSpPr>
+        <p:cNvPr id="1" name=""/>
+        <p:cNvGrpSpPr/>
+        <p:nvPr/>
+      </p:nvGrpSpPr>
+      <p:grpSpPr>
+        <a:xfrm>
+          <a:off x="0" y="0"/>
+          <a:ext cx="0" cy="0"/>
+          <a:chOff x="0" y="0"/>
+          <a:chExt cx="0" cy="0"/>
+        </a:xfrm>
+      </p:grpSpPr>
+      <p:sp>
+        <p:nvSpPr>
+          <p:cNvPr id="2" name="제목 1">
+            <a:extLst>
+              <a:ext uri="{FF2B5EF4-FFF2-40B4-BE49-F238E27FC236}">
+                <a16:creationId xmlns:a16="http://schemas.microsoft.com/office/drawing/2014/main" id="{407C5BC9-2695-D315-D16E-7A3BFDB714E6}"/>
+              </a:ext>
+            </a:extLst>
+          </p:cNvPr>
+          <p:cNvSpPr>
+            <a:spLocks noGrp="1"/>
+          </p:cNvSpPr>
+          <p:nvPr>
+            <p:ph type="title"/>
+          </p:nvPr>
+        </p:nvSpPr>
+        <p:spPr/>
+        <p:txBody>
+          <a:bodyPr/>
+          <a:lstStyle/>
+          <a:p>
+            <a:r>
+              <a:rPr kumimoji="1" lang="ko-KR" altLang="en-US">
+                <a:latin typeface="BM EULJIRO TTF" panose="020B0600000101010101" pitchFamily="34" charset="-127"/>
+                <a:ea typeface="BM EULJIRO TTF" panose="020B0600000101010101" pitchFamily="34" charset="-127"/>
+              </a:rPr>
+              <a:t>개발환경</a:t>
+            </a:r>
+          </a:p>
+        </p:txBody>
+      </p:sp>
+      <p:sp>
+        <p:nvSpPr>
+          <p:cNvPr id="3" name="TextBox 2">
+            <a:extLst>
+              <a:ext uri="{FF2B5EF4-FFF2-40B4-BE49-F238E27FC236}">
+                <a16:creationId xmlns:a16="http://schemas.microsoft.com/office/drawing/2014/main" id="{F1FBDB7C-BD20-039A-FD34-985337E57B02}"/>
+              </a:ext>
+            </a:extLst>
+          </p:cNvPr>
+          <p:cNvSpPr txBox="1"/>
+          <p:nvPr/>
+        </p:nvSpPr>
+        <p:spPr>
+          <a:xfrm>
+            <a:off x="445859" y="1783654"/>
+            <a:ext cx="12417287" cy="2677656"/>
+          </a:xfrm>
+          <a:prstGeom prst="rect">
+            <a:avLst/>
+          </a:prstGeom>
+          <a:noFill/>
+        </p:spPr>
+        <p:txBody>
+          <a:bodyPr wrap="square" rtlCol="0">
+            <a:spAutoFit/>
+          </a:bodyPr>
+          <a:lstStyle/>
+          <a:p>
+            <a:r>
+              <a:rPr kumimoji="1" lang="en-US" altLang="ko-KR" sz="2800">
+                <a:latin typeface="NanumSquare Neo Regular" pitchFamily="2" charset="-127"/>
+                <a:ea typeface="NanumSquare Neo Regular" pitchFamily="2" charset="-127"/>
+              </a:rPr>
+              <a:t>Frontend : BootStrap, jQuery….</a:t>
+            </a:r>
+          </a:p>
+          <a:p>
+            <a:r>
+              <a:rPr kumimoji="1" lang="en-US" altLang="ko-KR" sz="2800">
+                <a:latin typeface="NanumSquare Neo Regular" pitchFamily="2" charset="-127"/>
+                <a:ea typeface="NanumSquare Neo Regular" pitchFamily="2" charset="-127"/>
+              </a:rPr>
+              <a:t>Backend : thymeleaf, Servlet, XMLHTTPRequest, JPA, MyBatis…</a:t>
+            </a:r>
+          </a:p>
+          <a:p>
+            <a:r>
+              <a:rPr kumimoji="1" lang="en-US" altLang="ko-KR" sz="2800">
+                <a:latin typeface="NanumSquare Neo Regular" pitchFamily="2" charset="-127"/>
+                <a:ea typeface="NanumSquare Neo Regular" pitchFamily="2" charset="-127"/>
+              </a:rPr>
+              <a:t>Tool : spring boot, intelli j</a:t>
+            </a:r>
+          </a:p>
+          <a:p>
+            <a:r>
+              <a:rPr kumimoji="1" lang="en-US" altLang="ko-KR" sz="2800">
+                <a:latin typeface="NanumSquare Neo Regular" pitchFamily="2" charset="-127"/>
+                <a:ea typeface="NanumSquare Neo Regular" pitchFamily="2" charset="-127"/>
+              </a:rPr>
+              <a:t>Language : java, JS, HTML, XML, CSS, SCSS…</a:t>
+            </a:r>
+          </a:p>
+          <a:p>
+            <a:r>
+              <a:rPr kumimoji="1" lang="en-US" altLang="ko-KR" sz="2800">
+                <a:latin typeface="NanumSquare Neo Regular" pitchFamily="2" charset="-127"/>
+                <a:ea typeface="NanumSquare Neo Regular" pitchFamily="2" charset="-127"/>
+              </a:rPr>
+              <a:t>DB : MySQL, MySQL Workbench</a:t>
+            </a:r>
+          </a:p>
+          <a:p>
+            <a:r>
+              <a:rPr kumimoji="1" lang="en-US" altLang="ko-KR" sz="2800">
+                <a:latin typeface="NanumSquare Neo Regular" pitchFamily="2" charset="-127"/>
+                <a:ea typeface="NanumSquare Neo Regular" pitchFamily="2" charset="-127"/>
+              </a:rPr>
+              <a:t>Server : spring boot </a:t>
+            </a:r>
+            <a:r>
+              <a:rPr kumimoji="1" lang="ko-KR" altLang="en-US" sz="2800">
+                <a:latin typeface="NanumSquare Neo Regular" pitchFamily="2" charset="-127"/>
+                <a:ea typeface="NanumSquare Neo Regular" pitchFamily="2" charset="-127"/>
+              </a:rPr>
+              <a:t>내장서버</a:t>
+            </a:r>
+          </a:p>
+        </p:txBody>
+      </p:sp>
+    </p:spTree>
+    <p:extLst>
+      <p:ext uri="{BB962C8B-B14F-4D97-AF65-F5344CB8AC3E}">
+        <p14:creationId xmlns:p14="http://schemas.microsoft.com/office/powerpoint/2010/main" val="2933286368"/>
+      </p:ext>
+    </p:extLst>
+  </p:cSld>
+  <p:clrMapOvr>
+    <a:masterClrMapping/>
+  </p:clrMapOvr>
+</p:sld>
+</file>
+
+<file path=ppt/slides/slide9.xml><?xml version="1.0" encoding="utf-8"?>
+<p:sld xmlns:a="http://schemas.openxmlformats.org/drawingml/2006/main" xmlns:r="http://schemas.openxmlformats.org/officeDocument/2006/relationships" xmlns:p="http://schemas.openxmlformats.org/presentationml/2006/main">
+  <p:cSld>
+    <p:spTree>
+      <p:nvGrpSpPr>
+        <p:cNvPr id="1" name=""/>
+        <p:cNvGrpSpPr/>
+        <p:nvPr/>
+      </p:nvGrpSpPr>
+      <p:grpSpPr>
+        <a:xfrm>
+          <a:off x="0" y="0"/>
+          <a:ext cx="0" cy="0"/>
+          <a:chOff x="0" y="0"/>
+          <a:chExt cx="0" cy="0"/>
+        </a:xfrm>
+      </p:grpSpPr>
+      <p:sp>
+        <p:nvSpPr>
+          <p:cNvPr id="2" name="제목 1">
+            <a:extLst>
+              <a:ext uri="{FF2B5EF4-FFF2-40B4-BE49-F238E27FC236}">
+                <a16:creationId xmlns:a16="http://schemas.microsoft.com/office/drawing/2014/main" id="{13F31BAA-7A54-6C35-1AA4-DC8B1E4D6F4E}"/>
+              </a:ext>
+            </a:extLst>
+          </p:cNvPr>
+          <p:cNvSpPr>
+            <a:spLocks noGrp="1"/>
+          </p:cNvSpPr>
+          <p:nvPr>
+            <p:ph type="title"/>
+          </p:nvPr>
+        </p:nvSpPr>
+        <p:spPr/>
+        <p:txBody>
+          <a:bodyPr/>
+          <a:lstStyle/>
+          <a:p>
+            <a:r>
+              <a:rPr kumimoji="1" lang="ko-KR" altLang="en-US">
+                <a:latin typeface="BM EULJIRO TTF" panose="020B0600000101010101" pitchFamily="34" charset="-127"/>
+                <a:ea typeface="BM EULJIRO TTF" panose="020B0600000101010101" pitchFamily="34" charset="-127"/>
+              </a:rPr>
+              <a:t>아쉬운 점</a:t>
+            </a:r>
+            <a:endParaRPr kumimoji="1" lang="ko-KR" altLang="en-US"/>
+          </a:p>
+        </p:txBody>
+      </p:sp>
+      <p:sp>
+        <p:nvSpPr>
+          <p:cNvPr id="3" name="TextBox 2">
+            <a:extLst>
+              <a:ext uri="{FF2B5EF4-FFF2-40B4-BE49-F238E27FC236}">
+                <a16:creationId xmlns:a16="http://schemas.microsoft.com/office/drawing/2014/main" id="{D7737C84-875A-1B71-009E-E02B4588A856}"/>
+              </a:ext>
+            </a:extLst>
+          </p:cNvPr>
+          <p:cNvSpPr txBox="1"/>
+          <p:nvPr/>
+        </p:nvSpPr>
+        <p:spPr>
+          <a:xfrm>
+            <a:off x="1312978" y="2472374"/>
+            <a:ext cx="9566044" cy="1200329"/>
+          </a:xfrm>
+          <a:prstGeom prst="rect">
+            <a:avLst/>
+          </a:prstGeom>
+          <a:noFill/>
+        </p:spPr>
+        <p:txBody>
+          <a:bodyPr wrap="square" rtlCol="0">
+            <a:spAutoFit/>
+          </a:bodyPr>
+          <a:lstStyle/>
+          <a:p>
+            <a:r>
+              <a:rPr kumimoji="1" lang="en-US" altLang="ko-KR" sz="3600">
+                <a:latin typeface="NanumSquare Neo Regular" pitchFamily="2" charset="-127"/>
+                <a:ea typeface="NanumSquare Neo Regular" pitchFamily="2" charset="-127"/>
+              </a:rPr>
+              <a:t>‘</a:t>
+            </a:r>
+            <a:r>
+              <a:rPr kumimoji="1" lang="ko-KR" altLang="en-US" sz="3600">
+                <a:latin typeface="NanumSquare Neo Regular" pitchFamily="2" charset="-127"/>
+                <a:ea typeface="NanumSquare Neo Regular" pitchFamily="2" charset="-127"/>
+              </a:rPr>
+              <a:t>관리자 페이지</a:t>
+            </a:r>
+            <a:r>
+              <a:rPr kumimoji="1" lang="en-US" altLang="ko-KR" sz="3600">
+                <a:latin typeface="NanumSquare Neo Regular" pitchFamily="2" charset="-127"/>
+                <a:ea typeface="NanumSquare Neo Regular" pitchFamily="2" charset="-127"/>
+              </a:rPr>
+              <a:t>’</a:t>
+            </a:r>
+            <a:r>
+              <a:rPr kumimoji="1" lang="ko-KR" altLang="en-US" sz="3600">
+                <a:latin typeface="NanumSquare Neo Regular" pitchFamily="2" charset="-127"/>
+                <a:ea typeface="NanumSquare Neo Regular" pitchFamily="2" charset="-127"/>
+              </a:rPr>
+              <a:t>를 제외하고는 기능 </a:t>
+            </a:r>
+            <a:r>
+              <a:rPr kumimoji="1" lang="en-US" altLang="ko-KR" sz="3600">
+                <a:latin typeface="NanumSquare Neo Regular" pitchFamily="2" charset="-127"/>
+                <a:ea typeface="NanumSquare Neo Regular" pitchFamily="2" charset="-127"/>
+              </a:rPr>
+              <a:t>&amp;</a:t>
+            </a:r>
+            <a:r>
+              <a:rPr kumimoji="1" lang="ko-KR" altLang="en-US" sz="3600">
+                <a:latin typeface="NanumSquare Neo Regular" pitchFamily="2" charset="-127"/>
+                <a:ea typeface="NanumSquare Neo Regular" pitchFamily="2" charset="-127"/>
+              </a:rPr>
+              <a:t> 기술적으로 </a:t>
+            </a:r>
+            <a:endParaRPr kumimoji="1" lang="en-US" altLang="ko-KR" sz="3600">
+              <a:latin typeface="NanumSquare Neo Regular" pitchFamily="2" charset="-127"/>
+              <a:ea typeface="NanumSquare Neo Regular" pitchFamily="2" charset="-127"/>
+            </a:endParaRPr>
+          </a:p>
+          <a:p>
+            <a:r>
+              <a:rPr kumimoji="1" lang="ko-KR" altLang="en-US" sz="3600">
+                <a:latin typeface="NanumSquare Neo Regular" pitchFamily="2" charset="-127"/>
+                <a:ea typeface="NanumSquare Neo Regular" pitchFamily="2" charset="-127"/>
+              </a:rPr>
+              <a:t>크게 </a:t>
+            </a:r>
+            <a:r>
+              <a:rPr kumimoji="1" lang="ko-KR" altLang="en-US" sz="3600">
+                <a:highlight>
+                  <a:srgbClr val="FFFF00"/>
+                </a:highlight>
+                <a:latin typeface="NanumSquare Neo Regular" pitchFamily="2" charset="-127"/>
+                <a:ea typeface="NanumSquare Neo Regular" pitchFamily="2" charset="-127"/>
+              </a:rPr>
+              <a:t>기존의 웹 사이트와 차별을 두지 못하였다</a:t>
+            </a:r>
+            <a:r>
+              <a:rPr kumimoji="1" lang="en-US" altLang="ko-KR" sz="3600">
+                <a:highlight>
+                  <a:srgbClr val="FFFF00"/>
+                </a:highlight>
+                <a:latin typeface="NanumSquare Neo Regular" pitchFamily="2" charset="-127"/>
+                <a:ea typeface="NanumSquare Neo Regular" pitchFamily="2" charset="-127"/>
+              </a:rPr>
+              <a:t>.</a:t>
+            </a:r>
+            <a:endParaRPr kumimoji="1" lang="ko-KR" altLang="en-US" sz="3600">
+              <a:highlight>
+                <a:srgbClr val="FFFF00"/>
+              </a:highlight>
+              <a:latin typeface="NanumSquare Neo Regular" pitchFamily="2" charset="-127"/>
+              <a:ea typeface="NanumSquare Neo Regular" pitchFamily="2" charset="-127"/>
+            </a:endParaRPr>
+          </a:p>
+        </p:txBody>
+      </p:sp>
+    </p:spTree>
+    <p:extLst>
+      <p:ext uri="{BB962C8B-B14F-4D97-AF65-F5344CB8AC3E}">
+        <p14:creationId xmlns:p14="http://schemas.microsoft.com/office/powerpoint/2010/main" val="3286575311"/>
       </p:ext>
     </p:extLst>
   </p:cSld>
